--- a/3.1 救赎无须牺牲/3.1 救赎无须牺牲.pptx
+++ b/3.1 救赎无须牺牲/3.1 救赎无须牺牲.pptx
@@ -3179,7 +3179,11 @@
             <a:pPr lvl="0"/>
             <a:r>
               <a:rPr lang="zh-CN" altLang="en-US"/>
-              <a:t>连上主都会为了救恩而亲自迫害自己的圣子，这种可怕额妄见为宗教破败提供了冠冕堂皇的</a:t>
+              <a:t>连上主都会为了救恩而亲自迫害自己的圣子，这种可怕</a:t>
+            </a:r>
+            <a:r>
+              <a:rPr lang="zh-CN" altLang="en-US"/>
+              <a:t>的妄见为宗教破败提供了冠冕堂皇的</a:t>
             </a:r>
             <a:r>
               <a:rPr lang="en-US" altLang="zh-CN"/>
@@ -3235,7 +3239,11 @@
             <a:pPr lvl="0"/>
             <a:r>
               <a:rPr lang="zh-CN" altLang="en-US"/>
-              <a:t>上主从来不知道牺牲这一回事。这观念纯粹时恐惧引发出来的，受惊的人会变得非常</a:t>
+              <a:t>上主从来不知道牺牲这一回事。这观念纯粹</a:t>
+            </a:r>
+            <a:r>
+              <a:rPr lang="zh-CN" altLang="en-US"/>
+              <a:t>是恐惧引发出来的，受惊的人会变得非常</a:t>
             </a:r>
             <a:r>
               <a:rPr lang="zh-CN" altLang="en-US"/>
@@ -3345,7 +3353,11 @@
             <a:pPr lvl="0"/>
             <a:r>
               <a:rPr lang="zh-CN" altLang="en-US"/>
-              <a:t>纯洁无罪者不可能作牺牲的，因为纯洁无罪的心灵拥有一切，切回全力以赴保护自己的完整无缺。它不会投射，只会尊重其他心灵，因为尊重原是真正感到被爱的人对自己的同类最自然的</a:t>
+              <a:t>纯洁无罪者不可能作牺牲的，因为纯洁无罪的心灵拥有一切，</a:t>
+            </a:r>
+            <a:r>
+              <a:rPr lang="zh-CN" altLang="en-US"/>
+              <a:t>会全力以赴保护自己的完整无缺。它不会投射，只会尊重其他心灵，因为尊重原是真正感到被爱的人对自己的同类最自然的</a:t>
             </a:r>
             <a:r>
               <a:rPr lang="zh-CN" altLang="en-US"/>
